--- a/ppt and notes/DataBase.pptx
+++ b/ppt and notes/DataBase.pptx
@@ -106,6 +106,11 @@
       </a:defRPr>
     </a:lvl9pPr>
   </p:defaultTextStyle>
+  <p:extLst>
+    <p:ext uri="{EFAFB233-063F-42B5-8137-9DF3F51BA10A}">
+      <p15:sldGuideLst xmlns:p15="http://schemas.microsoft.com/office/powerpoint/2012/main"/>
+    </p:ext>
+  </p:extLst>
 </p:presentation>
 </file>
 
@@ -258,7 +263,7 @@
           <a:p>
             <a:fld id="{59491279-8A21-4409-8E9F-C2AA91C07534}" type="datetimeFigureOut">
               <a:rPr lang="en-IN" smtClean="0"/>
-              <a:t>21-07-2024</a:t>
+              <a:t>22-07-2024</a:t>
             </a:fld>
             <a:endParaRPr lang="en-IN"/>
           </a:p>
@@ -458,7 +463,7 @@
           <a:p>
             <a:fld id="{59491279-8A21-4409-8E9F-C2AA91C07534}" type="datetimeFigureOut">
               <a:rPr lang="en-IN" smtClean="0"/>
-              <a:t>21-07-2024</a:t>
+              <a:t>22-07-2024</a:t>
             </a:fld>
             <a:endParaRPr lang="en-IN"/>
           </a:p>
@@ -668,7 +673,7 @@
           <a:p>
             <a:fld id="{59491279-8A21-4409-8E9F-C2AA91C07534}" type="datetimeFigureOut">
               <a:rPr lang="en-IN" smtClean="0"/>
-              <a:t>21-07-2024</a:t>
+              <a:t>22-07-2024</a:t>
             </a:fld>
             <a:endParaRPr lang="en-IN"/>
           </a:p>
@@ -868,7 +873,7 @@
           <a:p>
             <a:fld id="{59491279-8A21-4409-8E9F-C2AA91C07534}" type="datetimeFigureOut">
               <a:rPr lang="en-IN" smtClean="0"/>
-              <a:t>21-07-2024</a:t>
+              <a:t>22-07-2024</a:t>
             </a:fld>
             <a:endParaRPr lang="en-IN"/>
           </a:p>
@@ -1144,7 +1149,7 @@
           <a:p>
             <a:fld id="{59491279-8A21-4409-8E9F-C2AA91C07534}" type="datetimeFigureOut">
               <a:rPr lang="en-IN" smtClean="0"/>
-              <a:t>21-07-2024</a:t>
+              <a:t>22-07-2024</a:t>
             </a:fld>
             <a:endParaRPr lang="en-IN"/>
           </a:p>
@@ -1412,7 +1417,7 @@
           <a:p>
             <a:fld id="{59491279-8A21-4409-8E9F-C2AA91C07534}" type="datetimeFigureOut">
               <a:rPr lang="en-IN" smtClean="0"/>
-              <a:t>21-07-2024</a:t>
+              <a:t>22-07-2024</a:t>
             </a:fld>
             <a:endParaRPr lang="en-IN"/>
           </a:p>
@@ -1827,7 +1832,7 @@
           <a:p>
             <a:fld id="{59491279-8A21-4409-8E9F-C2AA91C07534}" type="datetimeFigureOut">
               <a:rPr lang="en-IN" smtClean="0"/>
-              <a:t>21-07-2024</a:t>
+              <a:t>22-07-2024</a:t>
             </a:fld>
             <a:endParaRPr lang="en-IN"/>
           </a:p>
@@ -1969,7 +1974,7 @@
           <a:p>
             <a:fld id="{59491279-8A21-4409-8E9F-C2AA91C07534}" type="datetimeFigureOut">
               <a:rPr lang="en-IN" smtClean="0"/>
-              <a:t>21-07-2024</a:t>
+              <a:t>22-07-2024</a:t>
             </a:fld>
             <a:endParaRPr lang="en-IN"/>
           </a:p>
@@ -2082,7 +2087,7 @@
           <a:p>
             <a:fld id="{59491279-8A21-4409-8E9F-C2AA91C07534}" type="datetimeFigureOut">
               <a:rPr lang="en-IN" smtClean="0"/>
-              <a:t>21-07-2024</a:t>
+              <a:t>22-07-2024</a:t>
             </a:fld>
             <a:endParaRPr lang="en-IN"/>
           </a:p>
@@ -2395,7 +2400,7 @@
           <a:p>
             <a:fld id="{59491279-8A21-4409-8E9F-C2AA91C07534}" type="datetimeFigureOut">
               <a:rPr lang="en-IN" smtClean="0"/>
-              <a:t>21-07-2024</a:t>
+              <a:t>22-07-2024</a:t>
             </a:fld>
             <a:endParaRPr lang="en-IN"/>
           </a:p>
@@ -2684,7 +2689,7 @@
           <a:p>
             <a:fld id="{59491279-8A21-4409-8E9F-C2AA91C07534}" type="datetimeFigureOut">
               <a:rPr lang="en-IN" smtClean="0"/>
-              <a:t>21-07-2024</a:t>
+              <a:t>22-07-2024</a:t>
             </a:fld>
             <a:endParaRPr lang="en-IN"/>
           </a:p>
@@ -2927,7 +2932,7 @@
           <a:p>
             <a:fld id="{59491279-8A21-4409-8E9F-C2AA91C07534}" type="datetimeFigureOut">
               <a:rPr lang="en-IN" smtClean="0"/>
-              <a:t>21-07-2024</a:t>
+              <a:t>22-07-2024</a:t>
             </a:fld>
             <a:endParaRPr lang="en-IN"/>
           </a:p>
@@ -3690,10 +3695,10 @@
       </p:grpSpPr>
       <p:pic>
         <p:nvPicPr>
-          <p:cNvPr id="11" name="Picture 10">
-            <a:extLst>
-              <a:ext uri="{FF2B5EF4-FFF2-40B4-BE49-F238E27FC236}">
-                <a16:creationId xmlns:a16="http://schemas.microsoft.com/office/drawing/2014/main" id="{32F4B3D9-1FAF-7CCE-EB3C-503B7B80BB74}"/>
+          <p:cNvPr id="5" name="Picture 4">
+            <a:extLst>
+              <a:ext uri="{FF2B5EF4-FFF2-40B4-BE49-F238E27FC236}">
+                <a16:creationId xmlns:a16="http://schemas.microsoft.com/office/drawing/2014/main" id="{C0159C1E-84BB-90EA-3AEF-04D0484A6A12}"/>
               </a:ext>
             </a:extLst>
           </p:cNvPr>
@@ -3710,12 +3715,12 @@
               </a:ext>
             </a:extLst>
           </a:blip>
-          <a:srcRect l="2917" t="20296" r="3166" b="20444"/>
+          <a:srcRect l="4407" t="16632" r="4433" b="16701"/>
           <a:stretch/>
         </p:blipFill>
         <p:spPr>
           <a:xfrm>
-            <a:off x="0" y="0"/>
+            <a:off x="1" y="0"/>
             <a:ext cx="12192000" cy="6858000"/>
           </a:xfrm>
           <a:prstGeom prst="rect">
@@ -3741,7 +3746,7 @@
         </p:nvSpPr>
         <p:spPr>
           <a:xfrm>
-            <a:off x="238760" y="365125"/>
+            <a:off x="7032396" y="311069"/>
             <a:ext cx="3733800" cy="386715"/>
           </a:xfrm>
         </p:spPr>

--- a/ppt and notes/DataBase.pptx
+++ b/ppt and notes/DataBase.pptx
@@ -263,7 +263,7 @@
           <a:p>
             <a:fld id="{59491279-8A21-4409-8E9F-C2AA91C07534}" type="datetimeFigureOut">
               <a:rPr lang="en-IN" smtClean="0"/>
-              <a:t>22-07-2024</a:t>
+              <a:t>24-07-2024</a:t>
             </a:fld>
             <a:endParaRPr lang="en-IN"/>
           </a:p>
@@ -463,7 +463,7 @@
           <a:p>
             <a:fld id="{59491279-8A21-4409-8E9F-C2AA91C07534}" type="datetimeFigureOut">
               <a:rPr lang="en-IN" smtClean="0"/>
-              <a:t>22-07-2024</a:t>
+              <a:t>24-07-2024</a:t>
             </a:fld>
             <a:endParaRPr lang="en-IN"/>
           </a:p>
@@ -673,7 +673,7 @@
           <a:p>
             <a:fld id="{59491279-8A21-4409-8E9F-C2AA91C07534}" type="datetimeFigureOut">
               <a:rPr lang="en-IN" smtClean="0"/>
-              <a:t>22-07-2024</a:t>
+              <a:t>24-07-2024</a:t>
             </a:fld>
             <a:endParaRPr lang="en-IN"/>
           </a:p>
@@ -873,7 +873,7 @@
           <a:p>
             <a:fld id="{59491279-8A21-4409-8E9F-C2AA91C07534}" type="datetimeFigureOut">
               <a:rPr lang="en-IN" smtClean="0"/>
-              <a:t>22-07-2024</a:t>
+              <a:t>24-07-2024</a:t>
             </a:fld>
             <a:endParaRPr lang="en-IN"/>
           </a:p>
@@ -1149,7 +1149,7 @@
           <a:p>
             <a:fld id="{59491279-8A21-4409-8E9F-C2AA91C07534}" type="datetimeFigureOut">
               <a:rPr lang="en-IN" smtClean="0"/>
-              <a:t>22-07-2024</a:t>
+              <a:t>24-07-2024</a:t>
             </a:fld>
             <a:endParaRPr lang="en-IN"/>
           </a:p>
@@ -1417,7 +1417,7 @@
           <a:p>
             <a:fld id="{59491279-8A21-4409-8E9F-C2AA91C07534}" type="datetimeFigureOut">
               <a:rPr lang="en-IN" smtClean="0"/>
-              <a:t>22-07-2024</a:t>
+              <a:t>24-07-2024</a:t>
             </a:fld>
             <a:endParaRPr lang="en-IN"/>
           </a:p>
@@ -1832,7 +1832,7 @@
           <a:p>
             <a:fld id="{59491279-8A21-4409-8E9F-C2AA91C07534}" type="datetimeFigureOut">
               <a:rPr lang="en-IN" smtClean="0"/>
-              <a:t>22-07-2024</a:t>
+              <a:t>24-07-2024</a:t>
             </a:fld>
             <a:endParaRPr lang="en-IN"/>
           </a:p>
@@ -1974,7 +1974,7 @@
           <a:p>
             <a:fld id="{59491279-8A21-4409-8E9F-C2AA91C07534}" type="datetimeFigureOut">
               <a:rPr lang="en-IN" smtClean="0"/>
-              <a:t>22-07-2024</a:t>
+              <a:t>24-07-2024</a:t>
             </a:fld>
             <a:endParaRPr lang="en-IN"/>
           </a:p>
@@ -2087,7 +2087,7 @@
           <a:p>
             <a:fld id="{59491279-8A21-4409-8E9F-C2AA91C07534}" type="datetimeFigureOut">
               <a:rPr lang="en-IN" smtClean="0"/>
-              <a:t>22-07-2024</a:t>
+              <a:t>24-07-2024</a:t>
             </a:fld>
             <a:endParaRPr lang="en-IN"/>
           </a:p>
@@ -2400,7 +2400,7 @@
           <a:p>
             <a:fld id="{59491279-8A21-4409-8E9F-C2AA91C07534}" type="datetimeFigureOut">
               <a:rPr lang="en-IN" smtClean="0"/>
-              <a:t>22-07-2024</a:t>
+              <a:t>24-07-2024</a:t>
             </a:fld>
             <a:endParaRPr lang="en-IN"/>
           </a:p>
@@ -2689,7 +2689,7 @@
           <a:p>
             <a:fld id="{59491279-8A21-4409-8E9F-C2AA91C07534}" type="datetimeFigureOut">
               <a:rPr lang="en-IN" smtClean="0"/>
-              <a:t>22-07-2024</a:t>
+              <a:t>24-07-2024</a:t>
             </a:fld>
             <a:endParaRPr lang="en-IN"/>
           </a:p>
@@ -2932,7 +2932,7 @@
           <a:p>
             <a:fld id="{59491279-8A21-4409-8E9F-C2AA91C07534}" type="datetimeFigureOut">
               <a:rPr lang="en-IN" smtClean="0"/>
-              <a:t>22-07-2024</a:t>
+              <a:t>24-07-2024</a:t>
             </a:fld>
             <a:endParaRPr lang="en-IN"/>
           </a:p>
@@ -3695,10 +3695,10 @@
       </p:grpSpPr>
       <p:pic>
         <p:nvPicPr>
-          <p:cNvPr id="5" name="Picture 4">
-            <a:extLst>
-              <a:ext uri="{FF2B5EF4-FFF2-40B4-BE49-F238E27FC236}">
-                <a16:creationId xmlns:a16="http://schemas.microsoft.com/office/drawing/2014/main" id="{C0159C1E-84BB-90EA-3AEF-04D0484A6A12}"/>
+          <p:cNvPr id="4" name="Picture 3">
+            <a:extLst>
+              <a:ext uri="{FF2B5EF4-FFF2-40B4-BE49-F238E27FC236}">
+                <a16:creationId xmlns:a16="http://schemas.microsoft.com/office/drawing/2014/main" id="{F6BB5EA3-50CE-B042-7F64-9A10B121EE5A}"/>
               </a:ext>
             </a:extLst>
           </p:cNvPr>
@@ -3715,12 +3715,12 @@
               </a:ext>
             </a:extLst>
           </a:blip>
-          <a:srcRect l="4407" t="16632" r="4433" b="16701"/>
+          <a:srcRect l="4406" t="17457" r="4279" b="17526"/>
           <a:stretch/>
         </p:blipFill>
         <p:spPr>
           <a:xfrm>
-            <a:off x="1" y="0"/>
+            <a:off x="0" y="0"/>
             <a:ext cx="12192000" cy="6858000"/>
           </a:xfrm>
           <a:prstGeom prst="rect">
